--- a/4_general_exam/presentation/timeline.pptx
+++ b/4_general_exam/presentation/timeline.pptx
@@ -6,6 +6,7 @@
   </p:sldMasterIdLst>
   <p:sldIdLst>
     <p:sldId id="256" r:id="rId2"/>
+    <p:sldId id="257" r:id="rId3"/>
   </p:sldIdLst>
   <p:sldSz cx="12192000" cy="6858000"/>
   <p:notesSz cx="6858000" cy="9144000"/>
@@ -259,7 +260,7 @@
           <a:p>
             <a:fld id="{834B23C6-B8C8-0D4C-982A-ED312B9F68CE}" type="datetimeFigureOut">
               <a:rPr lang="en-US" smtClean="0"/>
-              <a:t>9/19/22</a:t>
+              <a:t>9/22/22</a:t>
             </a:fld>
             <a:endParaRPr lang="en-US"/>
           </a:p>
@@ -457,7 +458,7 @@
           <a:p>
             <a:fld id="{834B23C6-B8C8-0D4C-982A-ED312B9F68CE}" type="datetimeFigureOut">
               <a:rPr lang="en-US" smtClean="0"/>
-              <a:t>9/19/22</a:t>
+              <a:t>9/22/22</a:t>
             </a:fld>
             <a:endParaRPr lang="en-US"/>
           </a:p>
@@ -665,7 +666,7 @@
           <a:p>
             <a:fld id="{834B23C6-B8C8-0D4C-982A-ED312B9F68CE}" type="datetimeFigureOut">
               <a:rPr lang="en-US" smtClean="0"/>
-              <a:t>9/19/22</a:t>
+              <a:t>9/22/22</a:t>
             </a:fld>
             <a:endParaRPr lang="en-US"/>
           </a:p>
@@ -863,7 +864,7 @@
           <a:p>
             <a:fld id="{834B23C6-B8C8-0D4C-982A-ED312B9F68CE}" type="datetimeFigureOut">
               <a:rPr lang="en-US" smtClean="0"/>
-              <a:t>9/19/22</a:t>
+              <a:t>9/22/22</a:t>
             </a:fld>
             <a:endParaRPr lang="en-US"/>
           </a:p>
@@ -1138,7 +1139,7 @@
           <a:p>
             <a:fld id="{834B23C6-B8C8-0D4C-982A-ED312B9F68CE}" type="datetimeFigureOut">
               <a:rPr lang="en-US" smtClean="0"/>
-              <a:t>9/19/22</a:t>
+              <a:t>9/22/22</a:t>
             </a:fld>
             <a:endParaRPr lang="en-US"/>
           </a:p>
@@ -1403,7 +1404,7 @@
           <a:p>
             <a:fld id="{834B23C6-B8C8-0D4C-982A-ED312B9F68CE}" type="datetimeFigureOut">
               <a:rPr lang="en-US" smtClean="0"/>
-              <a:t>9/19/22</a:t>
+              <a:t>9/22/22</a:t>
             </a:fld>
             <a:endParaRPr lang="en-US"/>
           </a:p>
@@ -1815,7 +1816,7 @@
           <a:p>
             <a:fld id="{834B23C6-B8C8-0D4C-982A-ED312B9F68CE}" type="datetimeFigureOut">
               <a:rPr lang="en-US" smtClean="0"/>
-              <a:t>9/19/22</a:t>
+              <a:t>9/22/22</a:t>
             </a:fld>
             <a:endParaRPr lang="en-US"/>
           </a:p>
@@ -1956,7 +1957,7 @@
           <a:p>
             <a:fld id="{834B23C6-B8C8-0D4C-982A-ED312B9F68CE}" type="datetimeFigureOut">
               <a:rPr lang="en-US" smtClean="0"/>
-              <a:t>9/19/22</a:t>
+              <a:t>9/22/22</a:t>
             </a:fld>
             <a:endParaRPr lang="en-US"/>
           </a:p>
@@ -2069,7 +2070,7 @@
           <a:p>
             <a:fld id="{834B23C6-B8C8-0D4C-982A-ED312B9F68CE}" type="datetimeFigureOut">
               <a:rPr lang="en-US" smtClean="0"/>
-              <a:t>9/19/22</a:t>
+              <a:t>9/22/22</a:t>
             </a:fld>
             <a:endParaRPr lang="en-US"/>
           </a:p>
@@ -2380,7 +2381,7 @@
           <a:p>
             <a:fld id="{834B23C6-B8C8-0D4C-982A-ED312B9F68CE}" type="datetimeFigureOut">
               <a:rPr lang="en-US" smtClean="0"/>
-              <a:t>9/19/22</a:t>
+              <a:t>9/22/22</a:t>
             </a:fld>
             <a:endParaRPr lang="en-US"/>
           </a:p>
@@ -2668,7 +2669,7 @@
           <a:p>
             <a:fld id="{834B23C6-B8C8-0D4C-982A-ED312B9F68CE}" type="datetimeFigureOut">
               <a:rPr lang="en-US" smtClean="0"/>
-              <a:t>9/19/22</a:t>
+              <a:t>9/22/22</a:t>
             </a:fld>
             <a:endParaRPr lang="en-US"/>
           </a:p>
@@ -2909,7 +2910,7 @@
           <a:p>
             <a:fld id="{834B23C6-B8C8-0D4C-982A-ED312B9F68CE}" type="datetimeFigureOut">
               <a:rPr lang="en-US" smtClean="0"/>
-              <a:t>9/19/22</a:t>
+              <a:t>9/22/22</a:t>
             </a:fld>
             <a:endParaRPr lang="en-US"/>
           </a:p>
@@ -6548,6 +6549,1364 @@
 </p:sld>
 </file>
 
+<file path=ppt/slides/slide2.xml><?xml version="1.0" encoding="utf-8"?>
+<p:sld xmlns:a="http://schemas.openxmlformats.org/drawingml/2006/main" xmlns:r="http://schemas.openxmlformats.org/officeDocument/2006/relationships" xmlns:p="http://schemas.openxmlformats.org/presentationml/2006/main">
+  <p:cSld>
+    <p:spTree>
+      <p:nvGrpSpPr>
+        <p:cNvPr id="1" name=""/>
+        <p:cNvGrpSpPr/>
+        <p:nvPr/>
+      </p:nvGrpSpPr>
+      <p:grpSpPr>
+        <a:xfrm>
+          <a:off x="0" y="0"/>
+          <a:ext cx="0" cy="0"/>
+          <a:chOff x="0" y="0"/>
+          <a:chExt cx="0" cy="0"/>
+        </a:xfrm>
+      </p:grpSpPr>
+      <p:grpSp>
+        <p:nvGrpSpPr>
+          <p:cNvPr id="14" name="Group 13">
+            <a:extLst>
+              <a:ext uri="{FF2B5EF4-FFF2-40B4-BE49-F238E27FC236}">
+                <a16:creationId xmlns:a16="http://schemas.microsoft.com/office/drawing/2014/main" id="{A81F3138-3B45-0FEB-6446-9A524EA50F9D}"/>
+              </a:ext>
+            </a:extLst>
+          </p:cNvPr>
+          <p:cNvGrpSpPr/>
+          <p:nvPr/>
+        </p:nvGrpSpPr>
+        <p:grpSpPr>
+          <a:xfrm>
+            <a:off x="4548419" y="3461031"/>
+            <a:ext cx="1728360" cy="539076"/>
+            <a:chOff x="2748865" y="2118198"/>
+            <a:chExt cx="1788666" cy="571584"/>
+          </a:xfrm>
+        </p:grpSpPr>
+        <p:sp>
+          <p:nvSpPr>
+            <p:cNvPr id="12" name="Teardrop 11">
+              <a:extLst>
+                <a:ext uri="{FF2B5EF4-FFF2-40B4-BE49-F238E27FC236}">
+                  <a16:creationId xmlns:a16="http://schemas.microsoft.com/office/drawing/2014/main" id="{01E46A46-4F4B-B570-C06A-58CBD6CBA0A4}"/>
+                </a:ext>
+              </a:extLst>
+            </p:cNvPr>
+            <p:cNvSpPr/>
+            <p:nvPr/>
+          </p:nvSpPr>
+          <p:spPr>
+            <a:xfrm rot="10800000" flipH="1">
+              <a:off x="2748865" y="2118198"/>
+              <a:ext cx="1788664" cy="571584"/>
+            </a:xfrm>
+            <a:prstGeom prst="rect">
+              <a:avLst/>
+            </a:prstGeom>
+            <a:solidFill>
+              <a:schemeClr val="bg1"/>
+            </a:solidFill>
+            <a:ln>
+              <a:solidFill>
+                <a:schemeClr val="accent6"/>
+              </a:solidFill>
+            </a:ln>
+          </p:spPr>
+          <p:style>
+            <a:lnRef idx="2">
+              <a:schemeClr val="accent1">
+                <a:shade val="50000"/>
+              </a:schemeClr>
+            </a:lnRef>
+            <a:fillRef idx="1">
+              <a:schemeClr val="accent1"/>
+            </a:fillRef>
+            <a:effectRef idx="0">
+              <a:schemeClr val="accent1"/>
+            </a:effectRef>
+            <a:fontRef idx="minor">
+              <a:schemeClr val="lt1"/>
+            </a:fontRef>
+          </p:style>
+          <p:txBody>
+            <a:bodyPr rtlCol="0" anchor="ctr"/>
+            <a:lstStyle/>
+            <a:p>
+              <a:pPr algn="ctr"/>
+              <a:endParaRPr lang="en-US" dirty="0">
+                <a:solidFill>
+                  <a:schemeClr val="tx1"/>
+                </a:solidFill>
+              </a:endParaRPr>
+            </a:p>
+          </p:txBody>
+        </p:sp>
+        <p:sp>
+          <p:nvSpPr>
+            <p:cNvPr id="13" name="TextBox 12">
+              <a:extLst>
+                <a:ext uri="{FF2B5EF4-FFF2-40B4-BE49-F238E27FC236}">
+                  <a16:creationId xmlns:a16="http://schemas.microsoft.com/office/drawing/2014/main" id="{BDC162FC-35A3-DC9A-E4B6-D3803856966A}"/>
+                </a:ext>
+              </a:extLst>
+            </p:cNvPr>
+            <p:cNvSpPr txBox="1"/>
+            <p:nvPr/>
+          </p:nvSpPr>
+          <p:spPr>
+            <a:xfrm>
+              <a:off x="2748867" y="2191871"/>
+              <a:ext cx="1788664" cy="424238"/>
+            </a:xfrm>
+            <a:prstGeom prst="rect">
+              <a:avLst/>
+            </a:prstGeom>
+            <a:noFill/>
+          </p:spPr>
+          <p:txBody>
+            <a:bodyPr wrap="none" rtlCol="0">
+              <a:spAutoFit/>
+            </a:bodyPr>
+            <a:lstStyle/>
+            <a:p>
+              <a:r>
+                <a:rPr lang="en-US" sz="1000" dirty="0">
+                  <a:latin typeface="Roboto Light" panose="02000000000000000000" pitchFamily="2" charset="0"/>
+                  <a:ea typeface="Roboto Light" panose="02000000000000000000" pitchFamily="2" charset="0"/>
+                </a:rPr>
+                <a:t>-Have diagnosis of diabetes</a:t>
+              </a:r>
+              <a:br>
+                <a:rPr lang="en-US" sz="1000" dirty="0">
+                  <a:latin typeface="Roboto Light" panose="02000000000000000000" pitchFamily="2" charset="0"/>
+                  <a:ea typeface="Roboto Light" panose="02000000000000000000" pitchFamily="2" charset="0"/>
+                </a:rPr>
+              </a:br>
+              <a:r>
+                <a:rPr lang="en-US" sz="1000" dirty="0">
+                  <a:latin typeface="Roboto Light" panose="02000000000000000000" pitchFamily="2" charset="0"/>
+                  <a:ea typeface="Roboto Light" panose="02000000000000000000" pitchFamily="2" charset="0"/>
+                </a:rPr>
+                <a:t>-Are over 18 years old</a:t>
+              </a:r>
+            </a:p>
+          </p:txBody>
+        </p:sp>
+      </p:grpSp>
+      <p:grpSp>
+        <p:nvGrpSpPr>
+          <p:cNvPr id="18" name="Group 17">
+            <a:extLst>
+              <a:ext uri="{FF2B5EF4-FFF2-40B4-BE49-F238E27FC236}">
+                <a16:creationId xmlns:a16="http://schemas.microsoft.com/office/drawing/2014/main" id="{A6DA8CBF-1D4C-2607-C645-4089AC4E9A1C}"/>
+              </a:ext>
+            </a:extLst>
+          </p:cNvPr>
+          <p:cNvGrpSpPr/>
+          <p:nvPr/>
+        </p:nvGrpSpPr>
+        <p:grpSpPr>
+          <a:xfrm rot="5400000">
+            <a:off x="3815295" y="799329"/>
+            <a:ext cx="1371600" cy="1362572"/>
+            <a:chOff x="3379694" y="2294964"/>
+            <a:chExt cx="2191871" cy="1694329"/>
+          </a:xfrm>
+        </p:grpSpPr>
+        <p:sp>
+          <p:nvSpPr>
+            <p:cNvPr id="19" name="Arc 18">
+              <a:extLst>
+                <a:ext uri="{FF2B5EF4-FFF2-40B4-BE49-F238E27FC236}">
+                  <a16:creationId xmlns:a16="http://schemas.microsoft.com/office/drawing/2014/main" id="{FB8032AC-0D15-8C85-131B-F42A982F884A}"/>
+                </a:ext>
+              </a:extLst>
+            </p:cNvPr>
+            <p:cNvSpPr/>
+            <p:nvPr/>
+          </p:nvSpPr>
+          <p:spPr>
+            <a:xfrm rot="10800000">
+              <a:off x="3536577" y="2294964"/>
+              <a:ext cx="2034988" cy="1694329"/>
+            </a:xfrm>
+            <a:prstGeom prst="arc">
+              <a:avLst/>
+            </a:prstGeom>
+            <a:ln w="57150"/>
+          </p:spPr>
+          <p:style>
+            <a:lnRef idx="1">
+              <a:schemeClr val="accent1"/>
+            </a:lnRef>
+            <a:fillRef idx="0">
+              <a:schemeClr val="accent1"/>
+            </a:fillRef>
+            <a:effectRef idx="0">
+              <a:schemeClr val="accent1"/>
+            </a:effectRef>
+            <a:fontRef idx="minor">
+              <a:schemeClr val="tx1"/>
+            </a:fontRef>
+          </p:style>
+          <p:txBody>
+            <a:bodyPr rtlCol="0" anchor="ctr"/>
+            <a:lstStyle/>
+            <a:p>
+              <a:pPr algn="ctr"/>
+              <a:endParaRPr lang="en-US"/>
+            </a:p>
+          </p:txBody>
+        </p:sp>
+        <p:sp>
+          <p:nvSpPr>
+            <p:cNvPr id="20" name="Triangle 19">
+              <a:extLst>
+                <a:ext uri="{FF2B5EF4-FFF2-40B4-BE49-F238E27FC236}">
+                  <a16:creationId xmlns:a16="http://schemas.microsoft.com/office/drawing/2014/main" id="{8BF29CD4-B507-ECA6-1F66-97F086B24C11}"/>
+                </a:ext>
+              </a:extLst>
+            </p:cNvPr>
+            <p:cNvSpPr/>
+            <p:nvPr/>
+          </p:nvSpPr>
+          <p:spPr>
+            <a:xfrm>
+              <a:off x="3379694" y="2931459"/>
+              <a:ext cx="304800" cy="210670"/>
+            </a:xfrm>
+            <a:prstGeom prst="triangle">
+              <a:avLst/>
+            </a:prstGeom>
+            <a:ln>
+              <a:noFill/>
+            </a:ln>
+          </p:spPr>
+          <p:style>
+            <a:lnRef idx="2">
+              <a:schemeClr val="accent1">
+                <a:shade val="50000"/>
+              </a:schemeClr>
+            </a:lnRef>
+            <a:fillRef idx="1">
+              <a:schemeClr val="accent1"/>
+            </a:fillRef>
+            <a:effectRef idx="0">
+              <a:schemeClr val="accent1"/>
+            </a:effectRef>
+            <a:fontRef idx="minor">
+              <a:schemeClr val="lt1"/>
+            </a:fontRef>
+          </p:style>
+          <p:txBody>
+            <a:bodyPr rtlCol="0" anchor="ctr"/>
+            <a:lstStyle/>
+            <a:p>
+              <a:pPr algn="ctr"/>
+              <a:endParaRPr lang="en-US"/>
+            </a:p>
+          </p:txBody>
+        </p:sp>
+      </p:grpSp>
+      <p:grpSp>
+        <p:nvGrpSpPr>
+          <p:cNvPr id="21" name="Group 20">
+            <a:extLst>
+              <a:ext uri="{FF2B5EF4-FFF2-40B4-BE49-F238E27FC236}">
+                <a16:creationId xmlns:a16="http://schemas.microsoft.com/office/drawing/2014/main" id="{A4D14146-6345-EB06-6FCB-7E9317AB9C04}"/>
+              </a:ext>
+            </a:extLst>
+          </p:cNvPr>
+          <p:cNvGrpSpPr/>
+          <p:nvPr/>
+        </p:nvGrpSpPr>
+        <p:grpSpPr>
+          <a:xfrm>
+            <a:off x="3099758" y="1873515"/>
+            <a:ext cx="1550424" cy="891987"/>
+            <a:chOff x="2748865" y="1954304"/>
+            <a:chExt cx="1604526" cy="945776"/>
+          </a:xfrm>
+        </p:grpSpPr>
+        <p:sp>
+          <p:nvSpPr>
+            <p:cNvPr id="22" name="Teardrop 11">
+              <a:extLst>
+                <a:ext uri="{FF2B5EF4-FFF2-40B4-BE49-F238E27FC236}">
+                  <a16:creationId xmlns:a16="http://schemas.microsoft.com/office/drawing/2014/main" id="{CAC31974-7414-3B12-FD2A-B21231A6DC9C}"/>
+                </a:ext>
+              </a:extLst>
+            </p:cNvPr>
+            <p:cNvSpPr/>
+            <p:nvPr/>
+          </p:nvSpPr>
+          <p:spPr>
+            <a:xfrm rot="10800000" flipH="1">
+              <a:off x="2748865" y="1954304"/>
+              <a:ext cx="1566454" cy="945776"/>
+            </a:xfrm>
+            <a:prstGeom prst="rect">
+              <a:avLst/>
+            </a:prstGeom>
+            <a:solidFill>
+              <a:schemeClr val="bg1"/>
+            </a:solidFill>
+          </p:spPr>
+          <p:style>
+            <a:lnRef idx="2">
+              <a:schemeClr val="accent1">
+                <a:shade val="50000"/>
+              </a:schemeClr>
+            </a:lnRef>
+            <a:fillRef idx="1">
+              <a:schemeClr val="accent1"/>
+            </a:fillRef>
+            <a:effectRef idx="0">
+              <a:schemeClr val="accent1"/>
+            </a:effectRef>
+            <a:fontRef idx="minor">
+              <a:schemeClr val="lt1"/>
+            </a:fontRef>
+          </p:style>
+          <p:txBody>
+            <a:bodyPr rtlCol="0" anchor="ctr"/>
+            <a:lstStyle/>
+            <a:p>
+              <a:pPr algn="ctr"/>
+              <a:endParaRPr lang="en-US" dirty="0">
+                <a:solidFill>
+                  <a:schemeClr val="tx1"/>
+                </a:solidFill>
+              </a:endParaRPr>
+            </a:p>
+          </p:txBody>
+        </p:sp>
+        <p:sp>
+          <p:nvSpPr>
+            <p:cNvPr id="23" name="TextBox 22">
+              <a:extLst>
+                <a:ext uri="{FF2B5EF4-FFF2-40B4-BE49-F238E27FC236}">
+                  <a16:creationId xmlns:a16="http://schemas.microsoft.com/office/drawing/2014/main" id="{DA813AFA-3A30-79C2-A5C8-3B9DA3AB16A3}"/>
+                </a:ext>
+              </a:extLst>
+            </p:cNvPr>
+            <p:cNvSpPr txBox="1"/>
+            <p:nvPr/>
+          </p:nvSpPr>
+          <p:spPr>
+            <a:xfrm>
+              <a:off x="2748865" y="2035590"/>
+              <a:ext cx="1604526" cy="750573"/>
+            </a:xfrm>
+            <a:prstGeom prst="rect">
+              <a:avLst/>
+            </a:prstGeom>
+            <a:noFill/>
+          </p:spPr>
+          <p:txBody>
+            <a:bodyPr wrap="none" rtlCol="0">
+              <a:spAutoFit/>
+            </a:bodyPr>
+            <a:lstStyle/>
+            <a:p>
+              <a:r>
+                <a:rPr lang="en-US" sz="1400" u="sng" dirty="0">
+                  <a:latin typeface="Roboto Light" panose="02000000000000000000" pitchFamily="2" charset="0"/>
+                  <a:ea typeface="Roboto Light" panose="02000000000000000000" pitchFamily="2" charset="0"/>
+                </a:rPr>
+                <a:t>5,422</a:t>
+              </a:r>
+              <a:r>
+                <a:rPr lang="en-US" sz="1000" u="sng" dirty="0">
+                  <a:latin typeface="Roboto Light" panose="02000000000000000000" pitchFamily="2" charset="0"/>
+                  <a:ea typeface="Roboto Light" panose="02000000000000000000" pitchFamily="2" charset="0"/>
+                </a:rPr>
+                <a:t> patients found</a:t>
+              </a:r>
+            </a:p>
+            <a:p>
+              <a:r>
+                <a:rPr lang="en-US" sz="1000" dirty="0">
+                  <a:latin typeface="Roboto Light" panose="02000000000000000000" pitchFamily="2" charset="0"/>
+                  <a:ea typeface="Roboto Light" panose="02000000000000000000" pitchFamily="2" charset="0"/>
+                </a:rPr>
+                <a:t>    -</a:t>
+              </a:r>
+              <a:r>
+                <a:rPr lang="en-US" sz="800" b="1" dirty="0">
+                  <a:latin typeface="Roboto Light" panose="02000000000000000000" pitchFamily="2" charset="0"/>
+                  <a:ea typeface="Roboto Light" panose="02000000000000000000" pitchFamily="2" charset="0"/>
+                </a:rPr>
+                <a:t>6,149</a:t>
+              </a:r>
+              <a:r>
+                <a:rPr lang="en-US" sz="800" dirty="0">
+                  <a:latin typeface="Roboto Light" panose="02000000000000000000" pitchFamily="2" charset="0"/>
+                  <a:ea typeface="Roboto Light" panose="02000000000000000000" pitchFamily="2" charset="0"/>
+                </a:rPr>
+                <a:t> have diagnosis </a:t>
+              </a:r>
+              <a:br>
+                <a:rPr lang="en-US" sz="800" dirty="0">
+                  <a:latin typeface="Roboto Light" panose="02000000000000000000" pitchFamily="2" charset="0"/>
+                  <a:ea typeface="Roboto Light" panose="02000000000000000000" pitchFamily="2" charset="0"/>
+                </a:rPr>
+              </a:br>
+              <a:r>
+                <a:rPr lang="en-US" sz="800" dirty="0">
+                  <a:latin typeface="Roboto Light" panose="02000000000000000000" pitchFamily="2" charset="0"/>
+                  <a:ea typeface="Roboto Light" panose="02000000000000000000" pitchFamily="2" charset="0"/>
+                </a:rPr>
+                <a:t>     of diabetes</a:t>
+              </a:r>
+            </a:p>
+            <a:p>
+              <a:r>
+                <a:rPr lang="en-US" sz="800" dirty="0">
+                  <a:latin typeface="Roboto Light" panose="02000000000000000000" pitchFamily="2" charset="0"/>
+                  <a:ea typeface="Roboto Light" panose="02000000000000000000" pitchFamily="2" charset="0"/>
+                </a:rPr>
+                <a:t>     -</a:t>
+              </a:r>
+              <a:r>
+                <a:rPr lang="en-US" sz="800" b="1" dirty="0">
+                  <a:latin typeface="Roboto Light" panose="02000000000000000000" pitchFamily="2" charset="0"/>
+                  <a:ea typeface="Roboto Light" panose="02000000000000000000" pitchFamily="2" charset="0"/>
+                </a:rPr>
+                <a:t>5,422 </a:t>
+              </a:r>
+              <a:r>
+                <a:rPr lang="en-US" sz="800" dirty="0">
+                  <a:latin typeface="Roboto Light" panose="02000000000000000000" pitchFamily="2" charset="0"/>
+                  <a:ea typeface="Roboto Light" panose="02000000000000000000" pitchFamily="2" charset="0"/>
+                </a:rPr>
+                <a:t>are over 18 years old</a:t>
+              </a:r>
+              <a:endParaRPr lang="en-US" sz="1000" dirty="0">
+                <a:latin typeface="Roboto Light" panose="02000000000000000000" pitchFamily="2" charset="0"/>
+                <a:ea typeface="Roboto Light" panose="02000000000000000000" pitchFamily="2" charset="0"/>
+              </a:endParaRPr>
+            </a:p>
+          </p:txBody>
+        </p:sp>
+      </p:grpSp>
+      <p:grpSp>
+        <p:nvGrpSpPr>
+          <p:cNvPr id="25" name="Group 24">
+            <a:extLst>
+              <a:ext uri="{FF2B5EF4-FFF2-40B4-BE49-F238E27FC236}">
+                <a16:creationId xmlns:a16="http://schemas.microsoft.com/office/drawing/2014/main" id="{9D80F3B0-CEEB-1EA2-CE55-C591BE41C263}"/>
+              </a:ext>
+            </a:extLst>
+          </p:cNvPr>
+          <p:cNvGrpSpPr/>
+          <p:nvPr/>
+        </p:nvGrpSpPr>
+        <p:grpSpPr>
+          <a:xfrm rot="10800000">
+            <a:off x="6229323" y="1047215"/>
+            <a:ext cx="1371600" cy="1362572"/>
+            <a:chOff x="3379694" y="2294964"/>
+            <a:chExt cx="2191871" cy="1694329"/>
+          </a:xfrm>
+        </p:grpSpPr>
+        <p:sp>
+          <p:nvSpPr>
+            <p:cNvPr id="26" name="Arc 25">
+              <a:extLst>
+                <a:ext uri="{FF2B5EF4-FFF2-40B4-BE49-F238E27FC236}">
+                  <a16:creationId xmlns:a16="http://schemas.microsoft.com/office/drawing/2014/main" id="{60E0CFE0-A4E6-F73A-BE49-58A66AFEF1F4}"/>
+                </a:ext>
+              </a:extLst>
+            </p:cNvPr>
+            <p:cNvSpPr/>
+            <p:nvPr/>
+          </p:nvSpPr>
+          <p:spPr>
+            <a:xfrm rot="10800000">
+              <a:off x="3536577" y="2294964"/>
+              <a:ext cx="2034988" cy="1694329"/>
+            </a:xfrm>
+            <a:prstGeom prst="arc">
+              <a:avLst/>
+            </a:prstGeom>
+            <a:ln w="57150">
+              <a:solidFill>
+                <a:schemeClr val="accent6"/>
+              </a:solidFill>
+            </a:ln>
+          </p:spPr>
+          <p:style>
+            <a:lnRef idx="1">
+              <a:schemeClr val="accent1"/>
+            </a:lnRef>
+            <a:fillRef idx="0">
+              <a:schemeClr val="accent1"/>
+            </a:fillRef>
+            <a:effectRef idx="0">
+              <a:schemeClr val="accent1"/>
+            </a:effectRef>
+            <a:fontRef idx="minor">
+              <a:schemeClr val="tx1"/>
+            </a:fontRef>
+          </p:style>
+          <p:txBody>
+            <a:bodyPr rtlCol="0" anchor="ctr"/>
+            <a:lstStyle/>
+            <a:p>
+              <a:pPr algn="ctr"/>
+              <a:endParaRPr lang="en-US"/>
+            </a:p>
+          </p:txBody>
+        </p:sp>
+        <p:sp>
+          <p:nvSpPr>
+            <p:cNvPr id="27" name="Triangle 26">
+              <a:extLst>
+                <a:ext uri="{FF2B5EF4-FFF2-40B4-BE49-F238E27FC236}">
+                  <a16:creationId xmlns:a16="http://schemas.microsoft.com/office/drawing/2014/main" id="{51D7836E-2B7B-EC6A-A338-7101B681CE2E}"/>
+                </a:ext>
+              </a:extLst>
+            </p:cNvPr>
+            <p:cNvSpPr/>
+            <p:nvPr/>
+          </p:nvSpPr>
+          <p:spPr>
+            <a:xfrm>
+              <a:off x="3379694" y="2931459"/>
+              <a:ext cx="304800" cy="210670"/>
+            </a:xfrm>
+            <a:prstGeom prst="triangle">
+              <a:avLst/>
+            </a:prstGeom>
+            <a:solidFill>
+              <a:schemeClr val="accent6"/>
+            </a:solidFill>
+            <a:ln>
+              <a:solidFill>
+                <a:schemeClr val="accent6"/>
+              </a:solidFill>
+            </a:ln>
+          </p:spPr>
+          <p:style>
+            <a:lnRef idx="2">
+              <a:schemeClr val="accent1">
+                <a:shade val="50000"/>
+              </a:schemeClr>
+            </a:lnRef>
+            <a:fillRef idx="1">
+              <a:schemeClr val="accent1"/>
+            </a:fillRef>
+            <a:effectRef idx="0">
+              <a:schemeClr val="accent1"/>
+            </a:effectRef>
+            <a:fontRef idx="minor">
+              <a:schemeClr val="lt1"/>
+            </a:fontRef>
+          </p:style>
+          <p:txBody>
+            <a:bodyPr rtlCol="0" anchor="ctr"/>
+            <a:lstStyle/>
+            <a:p>
+              <a:pPr algn="ctr"/>
+              <a:endParaRPr lang="en-US"/>
+            </a:p>
+          </p:txBody>
+        </p:sp>
+      </p:grpSp>
+      <p:grpSp>
+        <p:nvGrpSpPr>
+          <p:cNvPr id="34" name="Group 33">
+            <a:extLst>
+              <a:ext uri="{FF2B5EF4-FFF2-40B4-BE49-F238E27FC236}">
+                <a16:creationId xmlns:a16="http://schemas.microsoft.com/office/drawing/2014/main" id="{0ACBAD28-6C16-1510-1CE2-4C26AB68A608}"/>
+              </a:ext>
+            </a:extLst>
+          </p:cNvPr>
+          <p:cNvGrpSpPr/>
+          <p:nvPr/>
+        </p:nvGrpSpPr>
+        <p:grpSpPr>
+          <a:xfrm>
+            <a:off x="4814964" y="549829"/>
+            <a:ext cx="1944424" cy="737413"/>
+            <a:chOff x="2748864" y="1954301"/>
+            <a:chExt cx="2117140" cy="781881"/>
+          </a:xfrm>
+        </p:grpSpPr>
+        <p:sp>
+          <p:nvSpPr>
+            <p:cNvPr id="35" name="Teardrop 11">
+              <a:extLst>
+                <a:ext uri="{FF2B5EF4-FFF2-40B4-BE49-F238E27FC236}">
+                  <a16:creationId xmlns:a16="http://schemas.microsoft.com/office/drawing/2014/main" id="{FD717EBA-9E7D-02E5-9AA0-4D2E68D145AF}"/>
+                </a:ext>
+              </a:extLst>
+            </p:cNvPr>
+            <p:cNvSpPr/>
+            <p:nvPr/>
+          </p:nvSpPr>
+          <p:spPr>
+            <a:xfrm rot="10800000" flipH="1">
+              <a:off x="2748864" y="1954301"/>
+              <a:ext cx="2117140" cy="781881"/>
+            </a:xfrm>
+            <a:prstGeom prst="rect">
+              <a:avLst/>
+            </a:prstGeom>
+            <a:solidFill>
+              <a:schemeClr val="bg1"/>
+            </a:solidFill>
+            <a:ln>
+              <a:solidFill>
+                <a:schemeClr val="accent6"/>
+              </a:solidFill>
+            </a:ln>
+          </p:spPr>
+          <p:style>
+            <a:lnRef idx="2">
+              <a:schemeClr val="accent1">
+                <a:shade val="50000"/>
+              </a:schemeClr>
+            </a:lnRef>
+            <a:fillRef idx="1">
+              <a:schemeClr val="accent1"/>
+            </a:fillRef>
+            <a:effectRef idx="0">
+              <a:schemeClr val="accent1"/>
+            </a:effectRef>
+            <a:fontRef idx="minor">
+              <a:schemeClr val="lt1"/>
+            </a:fontRef>
+          </p:style>
+          <p:txBody>
+            <a:bodyPr rtlCol="0" anchor="ctr"/>
+            <a:lstStyle/>
+            <a:p>
+              <a:pPr algn="ctr"/>
+              <a:endParaRPr lang="en-US" dirty="0">
+                <a:solidFill>
+                  <a:schemeClr val="tx1"/>
+                </a:solidFill>
+              </a:endParaRPr>
+            </a:p>
+          </p:txBody>
+        </p:sp>
+        <p:sp>
+          <p:nvSpPr>
+            <p:cNvPr id="36" name="TextBox 35">
+              <a:extLst>
+                <a:ext uri="{FF2B5EF4-FFF2-40B4-BE49-F238E27FC236}">
+                  <a16:creationId xmlns:a16="http://schemas.microsoft.com/office/drawing/2014/main" id="{0F3D25AF-96F8-4028-0A54-4D807E92BADD}"/>
+                </a:ext>
+              </a:extLst>
+            </p:cNvPr>
+            <p:cNvSpPr txBox="1"/>
+            <p:nvPr/>
+          </p:nvSpPr>
+          <p:spPr>
+            <a:xfrm>
+              <a:off x="2748865" y="2035590"/>
+              <a:ext cx="1891523" cy="587405"/>
+            </a:xfrm>
+            <a:prstGeom prst="rect">
+              <a:avLst/>
+            </a:prstGeom>
+            <a:noFill/>
+          </p:spPr>
+          <p:txBody>
+            <a:bodyPr wrap="none" rtlCol="0">
+              <a:spAutoFit/>
+            </a:bodyPr>
+            <a:lstStyle/>
+            <a:p>
+              <a:r>
+                <a:rPr lang="en-US" sz="1000" dirty="0">
+                  <a:latin typeface="Roboto Light" panose="02000000000000000000" pitchFamily="2" charset="0"/>
+                  <a:ea typeface="Roboto Light" panose="02000000000000000000" pitchFamily="2" charset="0"/>
+                </a:rPr>
+                <a:t>... have diagnosis of diabetes </a:t>
+              </a:r>
+              <a:br>
+                <a:rPr lang="en-US" sz="1000" dirty="0">
+                  <a:latin typeface="Roboto Light" panose="02000000000000000000" pitchFamily="2" charset="0"/>
+                  <a:ea typeface="Roboto Light" panose="02000000000000000000" pitchFamily="2" charset="0"/>
+                </a:rPr>
+              </a:br>
+              <a:r>
+                <a:rPr lang="en-US" sz="1000" dirty="0">
+                  <a:latin typeface="Roboto Light" panose="02000000000000000000" pitchFamily="2" charset="0"/>
+                  <a:ea typeface="Roboto Light" panose="02000000000000000000" pitchFamily="2" charset="0"/>
+                </a:rPr>
+                <a:t>    </a:t>
+              </a:r>
+              <a:r>
+                <a:rPr lang="en-US" sz="1000" u="sng" dirty="0">
+                  <a:latin typeface="Roboto Light" panose="02000000000000000000" pitchFamily="2" charset="0"/>
+                  <a:ea typeface="Roboto Light" panose="02000000000000000000" pitchFamily="2" charset="0"/>
+                </a:rPr>
+                <a:t>or A1c over 6.5%</a:t>
+              </a:r>
+            </a:p>
+            <a:p>
+              <a:r>
+                <a:rPr lang="en-US" sz="1000" dirty="0">
+                  <a:latin typeface="Roboto Light" panose="02000000000000000000" pitchFamily="2" charset="0"/>
+                  <a:ea typeface="Roboto Light" panose="02000000000000000000" pitchFamily="2" charset="0"/>
+                </a:rPr>
+                <a:t>... are over </a:t>
+              </a:r>
+              <a:r>
+                <a:rPr lang="en-US" sz="1000" strike="sngStrike" dirty="0">
+                  <a:latin typeface="Roboto Light" panose="02000000000000000000" pitchFamily="2" charset="0"/>
+                  <a:ea typeface="Roboto Light" panose="02000000000000000000" pitchFamily="2" charset="0"/>
+                </a:rPr>
+                <a:t>18</a:t>
+              </a:r>
+              <a:r>
+                <a:rPr lang="en-US" sz="1000" dirty="0">
+                  <a:latin typeface="Roboto Light" panose="02000000000000000000" pitchFamily="2" charset="0"/>
+                  <a:ea typeface="Roboto Light" panose="02000000000000000000" pitchFamily="2" charset="0"/>
+                </a:rPr>
+                <a:t> 30 years old</a:t>
+              </a:r>
+              <a:endParaRPr lang="en-US" sz="1100" dirty="0">
+                <a:latin typeface="Roboto Light" panose="02000000000000000000" pitchFamily="2" charset="0"/>
+                <a:ea typeface="Roboto Light" panose="02000000000000000000" pitchFamily="2" charset="0"/>
+              </a:endParaRPr>
+            </a:p>
+          </p:txBody>
+        </p:sp>
+      </p:grpSp>
+      <p:grpSp>
+        <p:nvGrpSpPr>
+          <p:cNvPr id="41" name="Group 40">
+            <a:extLst>
+              <a:ext uri="{FF2B5EF4-FFF2-40B4-BE49-F238E27FC236}">
+                <a16:creationId xmlns:a16="http://schemas.microsoft.com/office/drawing/2014/main" id="{DE19F597-CFC3-AD20-74AC-09164E024073}"/>
+              </a:ext>
+            </a:extLst>
+          </p:cNvPr>
+          <p:cNvGrpSpPr/>
+          <p:nvPr/>
+        </p:nvGrpSpPr>
+        <p:grpSpPr>
+          <a:xfrm>
+            <a:off x="3608123" y="2362335"/>
+            <a:ext cx="1371600" cy="1362572"/>
+            <a:chOff x="3379694" y="2294964"/>
+            <a:chExt cx="2191871" cy="1694329"/>
+          </a:xfrm>
+        </p:grpSpPr>
+        <p:sp>
+          <p:nvSpPr>
+            <p:cNvPr id="42" name="Arc 41">
+              <a:extLst>
+                <a:ext uri="{FF2B5EF4-FFF2-40B4-BE49-F238E27FC236}">
+                  <a16:creationId xmlns:a16="http://schemas.microsoft.com/office/drawing/2014/main" id="{A133CEE6-C4C5-BCB6-1C54-2F7ADE206E1A}"/>
+                </a:ext>
+              </a:extLst>
+            </p:cNvPr>
+            <p:cNvSpPr/>
+            <p:nvPr/>
+          </p:nvSpPr>
+          <p:spPr>
+            <a:xfrm rot="10800000">
+              <a:off x="3536577" y="2294964"/>
+              <a:ext cx="2034988" cy="1694329"/>
+            </a:xfrm>
+            <a:prstGeom prst="arc">
+              <a:avLst/>
+            </a:prstGeom>
+            <a:ln w="57150">
+              <a:solidFill>
+                <a:schemeClr val="accent6"/>
+              </a:solidFill>
+            </a:ln>
+          </p:spPr>
+          <p:style>
+            <a:lnRef idx="1">
+              <a:schemeClr val="accent1"/>
+            </a:lnRef>
+            <a:fillRef idx="0">
+              <a:schemeClr val="accent1"/>
+            </a:fillRef>
+            <a:effectRef idx="0">
+              <a:schemeClr val="accent1"/>
+            </a:effectRef>
+            <a:fontRef idx="minor">
+              <a:schemeClr val="tx1"/>
+            </a:fontRef>
+          </p:style>
+          <p:txBody>
+            <a:bodyPr rtlCol="0" anchor="ctr"/>
+            <a:lstStyle/>
+            <a:p>
+              <a:pPr algn="ctr"/>
+              <a:endParaRPr lang="en-US"/>
+            </a:p>
+          </p:txBody>
+        </p:sp>
+        <p:sp>
+          <p:nvSpPr>
+            <p:cNvPr id="43" name="Triangle 42">
+              <a:extLst>
+                <a:ext uri="{FF2B5EF4-FFF2-40B4-BE49-F238E27FC236}">
+                  <a16:creationId xmlns:a16="http://schemas.microsoft.com/office/drawing/2014/main" id="{20F848AE-CBAF-ACC0-4473-8837799C66F0}"/>
+                </a:ext>
+              </a:extLst>
+            </p:cNvPr>
+            <p:cNvSpPr/>
+            <p:nvPr/>
+          </p:nvSpPr>
+          <p:spPr>
+            <a:xfrm>
+              <a:off x="3379694" y="2942607"/>
+              <a:ext cx="304800" cy="210670"/>
+            </a:xfrm>
+            <a:prstGeom prst="triangle">
+              <a:avLst/>
+            </a:prstGeom>
+            <a:solidFill>
+              <a:schemeClr val="accent6"/>
+            </a:solidFill>
+            <a:ln>
+              <a:solidFill>
+                <a:schemeClr val="accent6"/>
+              </a:solidFill>
+            </a:ln>
+          </p:spPr>
+          <p:style>
+            <a:lnRef idx="2">
+              <a:schemeClr val="accent1">
+                <a:shade val="50000"/>
+              </a:schemeClr>
+            </a:lnRef>
+            <a:fillRef idx="1">
+              <a:schemeClr val="accent1"/>
+            </a:fillRef>
+            <a:effectRef idx="0">
+              <a:schemeClr val="accent1"/>
+            </a:effectRef>
+            <a:fontRef idx="minor">
+              <a:schemeClr val="lt1"/>
+            </a:fontRef>
+          </p:style>
+          <p:txBody>
+            <a:bodyPr rtlCol="0" anchor="ctr"/>
+            <a:lstStyle/>
+            <a:p>
+              <a:pPr algn="ctr"/>
+              <a:endParaRPr lang="en-US"/>
+            </a:p>
+          </p:txBody>
+        </p:sp>
+      </p:grpSp>
+      <p:grpSp>
+        <p:nvGrpSpPr>
+          <p:cNvPr id="44" name="Group 43">
+            <a:extLst>
+              <a:ext uri="{FF2B5EF4-FFF2-40B4-BE49-F238E27FC236}">
+                <a16:creationId xmlns:a16="http://schemas.microsoft.com/office/drawing/2014/main" id="{D6447F03-79CF-BCB5-A0D4-EEE772FA922D}"/>
+              </a:ext>
+            </a:extLst>
+          </p:cNvPr>
+          <p:cNvGrpSpPr/>
+          <p:nvPr/>
+        </p:nvGrpSpPr>
+        <p:grpSpPr>
+          <a:xfrm>
+            <a:off x="6807276" y="2221634"/>
+            <a:ext cx="1587294" cy="891987"/>
+            <a:chOff x="2748865" y="1954304"/>
+            <a:chExt cx="1642682" cy="945776"/>
+          </a:xfrm>
+        </p:grpSpPr>
+        <p:sp>
+          <p:nvSpPr>
+            <p:cNvPr id="45" name="Teardrop 11">
+              <a:extLst>
+                <a:ext uri="{FF2B5EF4-FFF2-40B4-BE49-F238E27FC236}">
+                  <a16:creationId xmlns:a16="http://schemas.microsoft.com/office/drawing/2014/main" id="{61562569-C803-7461-C814-740FB8EDA035}"/>
+                </a:ext>
+              </a:extLst>
+            </p:cNvPr>
+            <p:cNvSpPr/>
+            <p:nvPr/>
+          </p:nvSpPr>
+          <p:spPr>
+            <a:xfrm rot="10800000" flipH="1">
+              <a:off x="2748865" y="1954304"/>
+              <a:ext cx="1566454" cy="945776"/>
+            </a:xfrm>
+            <a:prstGeom prst="rect">
+              <a:avLst/>
+            </a:prstGeom>
+            <a:solidFill>
+              <a:schemeClr val="bg1"/>
+            </a:solidFill>
+          </p:spPr>
+          <p:style>
+            <a:lnRef idx="2">
+              <a:schemeClr val="accent1">
+                <a:shade val="50000"/>
+              </a:schemeClr>
+            </a:lnRef>
+            <a:fillRef idx="1">
+              <a:schemeClr val="accent1"/>
+            </a:fillRef>
+            <a:effectRef idx="0">
+              <a:schemeClr val="accent1"/>
+            </a:effectRef>
+            <a:fontRef idx="minor">
+              <a:schemeClr val="lt1"/>
+            </a:fontRef>
+          </p:style>
+          <p:txBody>
+            <a:bodyPr rtlCol="0" anchor="ctr"/>
+            <a:lstStyle/>
+            <a:p>
+              <a:pPr algn="ctr"/>
+              <a:endParaRPr lang="en-US" dirty="0">
+                <a:solidFill>
+                  <a:schemeClr val="tx1"/>
+                </a:solidFill>
+              </a:endParaRPr>
+            </a:p>
+          </p:txBody>
+        </p:sp>
+        <p:sp>
+          <p:nvSpPr>
+            <p:cNvPr id="46" name="TextBox 45">
+              <a:extLst>
+                <a:ext uri="{FF2B5EF4-FFF2-40B4-BE49-F238E27FC236}">
+                  <a16:creationId xmlns:a16="http://schemas.microsoft.com/office/drawing/2014/main" id="{FA87B344-816E-876A-142B-B126C3A6A7FB}"/>
+                </a:ext>
+              </a:extLst>
+            </p:cNvPr>
+            <p:cNvSpPr txBox="1"/>
+            <p:nvPr/>
+          </p:nvSpPr>
+          <p:spPr>
+            <a:xfrm>
+              <a:off x="2748865" y="2035590"/>
+              <a:ext cx="1642682" cy="750573"/>
+            </a:xfrm>
+            <a:prstGeom prst="rect">
+              <a:avLst/>
+            </a:prstGeom>
+            <a:noFill/>
+          </p:spPr>
+          <p:txBody>
+            <a:bodyPr wrap="none" rtlCol="0">
+              <a:spAutoFit/>
+            </a:bodyPr>
+            <a:lstStyle/>
+            <a:p>
+              <a:r>
+                <a:rPr lang="en-US" sz="1400" u="sng" dirty="0">
+                  <a:latin typeface="Roboto Light" panose="02000000000000000000" pitchFamily="2" charset="0"/>
+                  <a:ea typeface="Roboto Light" panose="02000000000000000000" pitchFamily="2" charset="0"/>
+                </a:rPr>
+                <a:t>6,629</a:t>
+              </a:r>
+              <a:r>
+                <a:rPr lang="en-US" sz="1000" u="sng" dirty="0">
+                  <a:latin typeface="Roboto Light" panose="02000000000000000000" pitchFamily="2" charset="0"/>
+                  <a:ea typeface="Roboto Light" panose="02000000000000000000" pitchFamily="2" charset="0"/>
+                </a:rPr>
+                <a:t> patients found</a:t>
+              </a:r>
+            </a:p>
+            <a:p>
+              <a:r>
+                <a:rPr lang="en-US" sz="1000" dirty="0">
+                  <a:latin typeface="Roboto Light" panose="02000000000000000000" pitchFamily="2" charset="0"/>
+                  <a:ea typeface="Roboto Light" panose="02000000000000000000" pitchFamily="2" charset="0"/>
+                </a:rPr>
+                <a:t>    -</a:t>
+              </a:r>
+              <a:r>
+                <a:rPr lang="en-US" sz="800" b="1" dirty="0">
+                  <a:latin typeface="Roboto Light" panose="02000000000000000000" pitchFamily="2" charset="0"/>
+                  <a:ea typeface="Roboto Light" panose="02000000000000000000" pitchFamily="2" charset="0"/>
+                </a:rPr>
+                <a:t>7,587</a:t>
+              </a:r>
+              <a:r>
+                <a:rPr lang="en-US" sz="800" dirty="0">
+                  <a:latin typeface="Roboto Light" panose="02000000000000000000" pitchFamily="2" charset="0"/>
+                  <a:ea typeface="Roboto Light" panose="02000000000000000000" pitchFamily="2" charset="0"/>
+                </a:rPr>
+                <a:t> have diagnosis </a:t>
+              </a:r>
+              <a:br>
+                <a:rPr lang="en-US" sz="800" dirty="0">
+                  <a:latin typeface="Roboto Light" panose="02000000000000000000" pitchFamily="2" charset="0"/>
+                  <a:ea typeface="Roboto Light" panose="02000000000000000000" pitchFamily="2" charset="0"/>
+                </a:rPr>
+              </a:br>
+              <a:r>
+                <a:rPr lang="en-US" sz="800" dirty="0">
+                  <a:latin typeface="Roboto Light" panose="02000000000000000000" pitchFamily="2" charset="0"/>
+                  <a:ea typeface="Roboto Light" panose="02000000000000000000" pitchFamily="2" charset="0"/>
+                </a:rPr>
+                <a:t>     of diabetes or A1c over 6.5%</a:t>
+              </a:r>
+            </a:p>
+            <a:p>
+              <a:r>
+                <a:rPr lang="en-US" sz="800" dirty="0">
+                  <a:latin typeface="Roboto Light" panose="02000000000000000000" pitchFamily="2" charset="0"/>
+                  <a:ea typeface="Roboto Light" panose="02000000000000000000" pitchFamily="2" charset="0"/>
+                </a:rPr>
+                <a:t>     -</a:t>
+              </a:r>
+              <a:r>
+                <a:rPr lang="en-US" sz="800" b="1" dirty="0">
+                  <a:latin typeface="Roboto Light" panose="02000000000000000000" pitchFamily="2" charset="0"/>
+                  <a:ea typeface="Roboto Light" panose="02000000000000000000" pitchFamily="2" charset="0"/>
+                </a:rPr>
+                <a:t>6,629 </a:t>
+              </a:r>
+              <a:r>
+                <a:rPr lang="en-US" sz="800" dirty="0">
+                  <a:latin typeface="Roboto Light" panose="02000000000000000000" pitchFamily="2" charset="0"/>
+                  <a:ea typeface="Roboto Light" panose="02000000000000000000" pitchFamily="2" charset="0"/>
+                </a:rPr>
+                <a:t>are over 30 years old</a:t>
+              </a:r>
+              <a:endParaRPr lang="en-US" sz="1000" dirty="0">
+                <a:latin typeface="Roboto Light" panose="02000000000000000000" pitchFamily="2" charset="0"/>
+                <a:ea typeface="Roboto Light" panose="02000000000000000000" pitchFamily="2" charset="0"/>
+              </a:endParaRPr>
+            </a:p>
+          </p:txBody>
+        </p:sp>
+      </p:grpSp>
+      <p:sp>
+        <p:nvSpPr>
+          <p:cNvPr id="47" name="TextBox 46">
+            <a:extLst>
+              <a:ext uri="{FF2B5EF4-FFF2-40B4-BE49-F238E27FC236}">
+                <a16:creationId xmlns:a16="http://schemas.microsoft.com/office/drawing/2014/main" id="{1948E4D0-769F-4069-06C3-88F2ED1E8837}"/>
+              </a:ext>
+            </a:extLst>
+          </p:cNvPr>
+          <p:cNvSpPr txBox="1"/>
+          <p:nvPr/>
+        </p:nvSpPr>
+        <p:spPr>
+          <a:xfrm>
+            <a:off x="4441572" y="3189401"/>
+            <a:ext cx="2002471" cy="276999"/>
+          </a:xfrm>
+          <a:prstGeom prst="rect">
+            <a:avLst/>
+          </a:prstGeom>
+          <a:noFill/>
+        </p:spPr>
+        <p:txBody>
+          <a:bodyPr wrap="none" rtlCol="0">
+            <a:spAutoFit/>
+          </a:bodyPr>
+          <a:lstStyle/>
+          <a:p>
+            <a:r>
+              <a:rPr lang="en-US" sz="1200" b="1" dirty="0">
+                <a:solidFill>
+                  <a:schemeClr val="accent6"/>
+                </a:solidFill>
+                <a:latin typeface="Roboto Light" panose="02000000000000000000" pitchFamily="2" charset="0"/>
+                <a:ea typeface="Roboto Light" panose="02000000000000000000" pitchFamily="2" charset="0"/>
+              </a:rPr>
+              <a:t>User</a:t>
+            </a:r>
+            <a:r>
+              <a:rPr lang="en-US" sz="1200" dirty="0">
+                <a:latin typeface="Roboto Light" panose="02000000000000000000" pitchFamily="2" charset="0"/>
+                <a:ea typeface="Roboto Light" panose="02000000000000000000" pitchFamily="2" charset="0"/>
+              </a:rPr>
+              <a:t> provides initial criteria</a:t>
+            </a:r>
+          </a:p>
+        </p:txBody>
+      </p:sp>
+      <p:sp>
+        <p:nvSpPr>
+          <p:cNvPr id="48" name="TextBox 47">
+            <a:extLst>
+              <a:ext uri="{FF2B5EF4-FFF2-40B4-BE49-F238E27FC236}">
+                <a16:creationId xmlns:a16="http://schemas.microsoft.com/office/drawing/2014/main" id="{C1D51D38-D0C5-8DE8-D878-BE4EC1B23DC3}"/>
+              </a:ext>
+            </a:extLst>
+          </p:cNvPr>
+          <p:cNvSpPr txBox="1"/>
+          <p:nvPr/>
+        </p:nvSpPr>
+        <p:spPr>
+          <a:xfrm>
+            <a:off x="2828619" y="1580124"/>
+            <a:ext cx="2138727" cy="276999"/>
+          </a:xfrm>
+          <a:prstGeom prst="rect">
+            <a:avLst/>
+          </a:prstGeom>
+          <a:noFill/>
+        </p:spPr>
+        <p:txBody>
+          <a:bodyPr wrap="none" rtlCol="0">
+            <a:spAutoFit/>
+          </a:bodyPr>
+          <a:lstStyle/>
+          <a:p>
+            <a:r>
+              <a:rPr lang="en-US" sz="1200" b="1" dirty="0">
+                <a:solidFill>
+                  <a:schemeClr val="accent1"/>
+                </a:solidFill>
+                <a:latin typeface="Roboto Light" panose="02000000000000000000" pitchFamily="2" charset="0"/>
+                <a:ea typeface="Roboto Light" panose="02000000000000000000" pitchFamily="2" charset="0"/>
+              </a:rPr>
+              <a:t>LeafAI</a:t>
+            </a:r>
+            <a:r>
+              <a:rPr lang="en-US" sz="1200" dirty="0">
+                <a:latin typeface="Roboto Light" panose="02000000000000000000" pitchFamily="2" charset="0"/>
+                <a:ea typeface="Roboto Light" panose="02000000000000000000" pitchFamily="2" charset="0"/>
+              </a:rPr>
+              <a:t> responds with results </a:t>
+            </a:r>
+          </a:p>
+        </p:txBody>
+      </p:sp>
+      <p:sp>
+        <p:nvSpPr>
+          <p:cNvPr id="50" name="TextBox 49">
+            <a:extLst>
+              <a:ext uri="{FF2B5EF4-FFF2-40B4-BE49-F238E27FC236}">
+                <a16:creationId xmlns:a16="http://schemas.microsoft.com/office/drawing/2014/main" id="{4A34998E-A7D1-0794-F2F9-C1B49C0C073F}"/>
+              </a:ext>
+            </a:extLst>
+          </p:cNvPr>
+          <p:cNvSpPr txBox="1"/>
+          <p:nvPr/>
+        </p:nvSpPr>
+        <p:spPr>
+          <a:xfrm>
+            <a:off x="4585805" y="244282"/>
+            <a:ext cx="2512226" cy="276999"/>
+          </a:xfrm>
+          <a:prstGeom prst="rect">
+            <a:avLst/>
+          </a:prstGeom>
+          <a:noFill/>
+        </p:spPr>
+        <p:txBody>
+          <a:bodyPr wrap="none" rtlCol="0">
+            <a:spAutoFit/>
+          </a:bodyPr>
+          <a:lstStyle/>
+          <a:p>
+            <a:r>
+              <a:rPr lang="en-US" sz="1200" b="1" dirty="0">
+                <a:solidFill>
+                  <a:schemeClr val="accent6"/>
+                </a:solidFill>
+                <a:latin typeface="Roboto Light" panose="02000000000000000000" pitchFamily="2" charset="0"/>
+                <a:ea typeface="Roboto Light" panose="02000000000000000000" pitchFamily="2" charset="0"/>
+              </a:rPr>
+              <a:t>User</a:t>
+            </a:r>
+            <a:r>
+              <a:rPr lang="en-US" sz="1200" dirty="0">
+                <a:latin typeface="Roboto Light" panose="02000000000000000000" pitchFamily="2" charset="0"/>
+                <a:ea typeface="Roboto Light" panose="02000000000000000000" pitchFamily="2" charset="0"/>
+              </a:rPr>
+              <a:t> edits criteria based on results</a:t>
+            </a:r>
+          </a:p>
+        </p:txBody>
+      </p:sp>
+      <p:sp>
+        <p:nvSpPr>
+          <p:cNvPr id="51" name="TextBox 50">
+            <a:extLst>
+              <a:ext uri="{FF2B5EF4-FFF2-40B4-BE49-F238E27FC236}">
+                <a16:creationId xmlns:a16="http://schemas.microsoft.com/office/drawing/2014/main" id="{3CB3830F-CD54-C411-7971-7D7E2B8CCF0E}"/>
+              </a:ext>
+            </a:extLst>
+          </p:cNvPr>
+          <p:cNvSpPr txBox="1"/>
+          <p:nvPr/>
+        </p:nvSpPr>
+        <p:spPr>
+          <a:xfrm>
+            <a:off x="6306471" y="1951711"/>
+            <a:ext cx="2727029" cy="276999"/>
+          </a:xfrm>
+          <a:prstGeom prst="rect">
+            <a:avLst/>
+          </a:prstGeom>
+          <a:noFill/>
+        </p:spPr>
+        <p:txBody>
+          <a:bodyPr wrap="none" rtlCol="0">
+            <a:spAutoFit/>
+          </a:bodyPr>
+          <a:lstStyle/>
+          <a:p>
+            <a:r>
+              <a:rPr lang="en-US" sz="1200" b="1" dirty="0">
+                <a:solidFill>
+                  <a:schemeClr val="accent1"/>
+                </a:solidFill>
+                <a:latin typeface="Roboto Light" panose="02000000000000000000" pitchFamily="2" charset="0"/>
+                <a:ea typeface="Roboto Light" panose="02000000000000000000" pitchFamily="2" charset="0"/>
+              </a:rPr>
+              <a:t>LeafAI</a:t>
+            </a:r>
+            <a:r>
+              <a:rPr lang="en-US" sz="1200" dirty="0">
+                <a:latin typeface="Roboto Light" panose="02000000000000000000" pitchFamily="2" charset="0"/>
+                <a:ea typeface="Roboto Light" panose="02000000000000000000" pitchFamily="2" charset="0"/>
+              </a:rPr>
+              <a:t> responds with updated results </a:t>
+            </a:r>
+          </a:p>
+        </p:txBody>
+      </p:sp>
+      <p:grpSp>
+        <p:nvGrpSpPr>
+          <p:cNvPr id="52" name="Group 51">
+            <a:extLst>
+              <a:ext uri="{FF2B5EF4-FFF2-40B4-BE49-F238E27FC236}">
+                <a16:creationId xmlns:a16="http://schemas.microsoft.com/office/drawing/2014/main" id="{67694DE5-69F1-58CF-3C1F-3368F8B9B7D1}"/>
+              </a:ext>
+            </a:extLst>
+          </p:cNvPr>
+          <p:cNvGrpSpPr/>
+          <p:nvPr/>
+        </p:nvGrpSpPr>
+        <p:grpSpPr>
+          <a:xfrm>
+            <a:off x="5807720" y="1023937"/>
+            <a:ext cx="1371600" cy="1362572"/>
+            <a:chOff x="3379694" y="2294964"/>
+            <a:chExt cx="2191871" cy="1694329"/>
+          </a:xfrm>
+        </p:grpSpPr>
+        <p:sp>
+          <p:nvSpPr>
+            <p:cNvPr id="53" name="Arc 52">
+              <a:extLst>
+                <a:ext uri="{FF2B5EF4-FFF2-40B4-BE49-F238E27FC236}">
+                  <a16:creationId xmlns:a16="http://schemas.microsoft.com/office/drawing/2014/main" id="{CC3811BA-2AC6-F299-EDD3-3EEAE3FFC77B}"/>
+                </a:ext>
+              </a:extLst>
+            </p:cNvPr>
+            <p:cNvSpPr/>
+            <p:nvPr/>
+          </p:nvSpPr>
+          <p:spPr>
+            <a:xfrm rot="10800000">
+              <a:off x="3536577" y="2294964"/>
+              <a:ext cx="2034988" cy="1694329"/>
+            </a:xfrm>
+            <a:prstGeom prst="arc">
+              <a:avLst/>
+            </a:prstGeom>
+            <a:ln w="57150"/>
+          </p:spPr>
+          <p:style>
+            <a:lnRef idx="1">
+              <a:schemeClr val="accent1"/>
+            </a:lnRef>
+            <a:fillRef idx="0">
+              <a:schemeClr val="accent1"/>
+            </a:fillRef>
+            <a:effectRef idx="0">
+              <a:schemeClr val="accent1"/>
+            </a:effectRef>
+            <a:fontRef idx="minor">
+              <a:schemeClr val="tx1"/>
+            </a:fontRef>
+          </p:style>
+          <p:txBody>
+            <a:bodyPr rtlCol="0" anchor="ctr"/>
+            <a:lstStyle/>
+            <a:p>
+              <a:pPr algn="ctr"/>
+              <a:endParaRPr lang="en-US"/>
+            </a:p>
+          </p:txBody>
+        </p:sp>
+        <p:sp>
+          <p:nvSpPr>
+            <p:cNvPr id="54" name="Triangle 53">
+              <a:extLst>
+                <a:ext uri="{FF2B5EF4-FFF2-40B4-BE49-F238E27FC236}">
+                  <a16:creationId xmlns:a16="http://schemas.microsoft.com/office/drawing/2014/main" id="{724C657C-F129-1303-8D42-3AB05B54F07C}"/>
+                </a:ext>
+              </a:extLst>
+            </p:cNvPr>
+            <p:cNvSpPr/>
+            <p:nvPr/>
+          </p:nvSpPr>
+          <p:spPr>
+            <a:xfrm>
+              <a:off x="3379694" y="2931459"/>
+              <a:ext cx="304800" cy="210670"/>
+            </a:xfrm>
+            <a:prstGeom prst="triangle">
+              <a:avLst/>
+            </a:prstGeom>
+            <a:ln>
+              <a:noFill/>
+            </a:ln>
+          </p:spPr>
+          <p:style>
+            <a:lnRef idx="2">
+              <a:schemeClr val="accent1">
+                <a:shade val="50000"/>
+              </a:schemeClr>
+            </a:lnRef>
+            <a:fillRef idx="1">
+              <a:schemeClr val="accent1"/>
+            </a:fillRef>
+            <a:effectRef idx="0">
+              <a:schemeClr val="accent1"/>
+            </a:effectRef>
+            <a:fontRef idx="minor">
+              <a:schemeClr val="lt1"/>
+            </a:fontRef>
+          </p:style>
+          <p:txBody>
+            <a:bodyPr rtlCol="0" anchor="ctr"/>
+            <a:lstStyle/>
+            <a:p>
+              <a:pPr algn="ctr"/>
+              <a:endParaRPr lang="en-US"/>
+            </a:p>
+          </p:txBody>
+        </p:sp>
+      </p:grpSp>
+    </p:spTree>
+    <p:extLst>
+      <p:ext uri="{BB962C8B-B14F-4D97-AF65-F5344CB8AC3E}">
+        <p14:creationId xmlns:p14="http://schemas.microsoft.com/office/powerpoint/2010/main" val="3901654441"/>
+      </p:ext>
+    </p:extLst>
+  </p:cSld>
+  <p:clrMapOvr>
+    <a:masterClrMapping/>
+  </p:clrMapOvr>
+</p:sld>
+</file>
+
 <file path=ppt/theme/theme1.xml><?xml version="1.0" encoding="utf-8"?>
 <a:theme xmlns:a="http://schemas.openxmlformats.org/drawingml/2006/main" name="Office Theme">
   <a:themeElements>

--- a/4_general_exam/presentation/timeline.pptx
+++ b/4_general_exam/presentation/timeline.pptx
@@ -5546,8 +5546,8 @@
         </p:nvSpPr>
         <p:spPr>
           <a:xfrm>
-            <a:off x="7778633" y="4267642"/>
-            <a:ext cx="810039" cy="244099"/>
+            <a:off x="7482653" y="4267642"/>
+            <a:ext cx="1106020" cy="244099"/>
           </a:xfrm>
           <a:prstGeom prst="rect">
             <a:avLst/>
@@ -5650,8 +5650,8 @@
         </p:nvSpPr>
         <p:spPr>
           <a:xfrm>
-            <a:off x="8546242" y="4263828"/>
-            <a:ext cx="965676" cy="261610"/>
+            <a:off x="8546241" y="4263828"/>
+            <a:ext cx="1049021" cy="261610"/>
           </a:xfrm>
           <a:prstGeom prst="rect">
             <a:avLst/>
@@ -5675,7 +5675,7 @@
                 <a:latin typeface="Times New Roman" panose="02020603050405020304" pitchFamily="18" charset="0"/>
                 <a:cs typeface="Times New Roman" panose="02020603050405020304" pitchFamily="18" charset="0"/>
               </a:rPr>
-              <a:t>0% Complete</a:t>
+              <a:t>10% Complete</a:t>
             </a:r>
           </a:p>
         </p:txBody>
@@ -6151,7 +6151,7 @@
                 <a:latin typeface="Times New Roman" panose="02020603050405020304" pitchFamily="18" charset="0"/>
                 <a:cs typeface="Times New Roman" panose="02020603050405020304" pitchFamily="18" charset="0"/>
               </a:rPr>
-              <a:t>0% Complete</a:t>
+              <a:t>3% Complete</a:t>
             </a:r>
           </a:p>
         </p:txBody>
